--- a/Project/Group_19_Slides.pptx
+++ b/Project/Group_19_Slides.pptx
@@ -106,6 +106,11 @@
       </a:defRPr>
     </a:lvl9pPr>
   </p:defaultTextStyle>
+  <p:extLst>
+    <p:ext uri="{EFAFB233-063F-42B5-8137-9DF3F51BA10A}">
+      <p15:sldGuideLst xmlns:p15="http://schemas.microsoft.com/office/powerpoint/2012/main"/>
+    </p:ext>
+  </p:extLst>
 </p:presentation>
 </file>
 
@@ -256,7 +261,7 @@
           <a:p>
             <a:fld id="{A3C94AC1-C02C-E644-A178-E8582C9204EF}" type="datetimeFigureOut">
               <a:rPr lang="en-US" smtClean="0"/>
-              <a:t>12/3/21</a:t>
+              <a:t>12/4/21</a:t>
             </a:fld>
             <a:endParaRPr lang="en-US"/>
           </a:p>
@@ -454,7 +459,7 @@
           <a:p>
             <a:fld id="{A3C94AC1-C02C-E644-A178-E8582C9204EF}" type="datetimeFigureOut">
               <a:rPr lang="en-US" smtClean="0"/>
-              <a:t>12/3/21</a:t>
+              <a:t>12/4/21</a:t>
             </a:fld>
             <a:endParaRPr lang="en-US"/>
           </a:p>
@@ -662,7 +667,7 @@
           <a:p>
             <a:fld id="{A3C94AC1-C02C-E644-A178-E8582C9204EF}" type="datetimeFigureOut">
               <a:rPr lang="en-US" smtClean="0"/>
-              <a:t>12/3/21</a:t>
+              <a:t>12/4/21</a:t>
             </a:fld>
             <a:endParaRPr lang="en-US"/>
           </a:p>
@@ -860,7 +865,7 @@
           <a:p>
             <a:fld id="{A3C94AC1-C02C-E644-A178-E8582C9204EF}" type="datetimeFigureOut">
               <a:rPr lang="en-US" smtClean="0"/>
-              <a:t>12/3/21</a:t>
+              <a:t>12/4/21</a:t>
             </a:fld>
             <a:endParaRPr lang="en-US"/>
           </a:p>
@@ -1135,7 +1140,7 @@
           <a:p>
             <a:fld id="{A3C94AC1-C02C-E644-A178-E8582C9204EF}" type="datetimeFigureOut">
               <a:rPr lang="en-US" smtClean="0"/>
-              <a:t>12/3/21</a:t>
+              <a:t>12/4/21</a:t>
             </a:fld>
             <a:endParaRPr lang="en-US"/>
           </a:p>
@@ -1400,7 +1405,7 @@
           <a:p>
             <a:fld id="{A3C94AC1-C02C-E644-A178-E8582C9204EF}" type="datetimeFigureOut">
               <a:rPr lang="en-US" smtClean="0"/>
-              <a:t>12/3/21</a:t>
+              <a:t>12/4/21</a:t>
             </a:fld>
             <a:endParaRPr lang="en-US"/>
           </a:p>
@@ -1812,7 +1817,7 @@
           <a:p>
             <a:fld id="{A3C94AC1-C02C-E644-A178-E8582C9204EF}" type="datetimeFigureOut">
               <a:rPr lang="en-US" smtClean="0"/>
-              <a:t>12/3/21</a:t>
+              <a:t>12/4/21</a:t>
             </a:fld>
             <a:endParaRPr lang="en-US"/>
           </a:p>
@@ -1953,7 +1958,7 @@
           <a:p>
             <a:fld id="{A3C94AC1-C02C-E644-A178-E8582C9204EF}" type="datetimeFigureOut">
               <a:rPr lang="en-US" smtClean="0"/>
-              <a:t>12/3/21</a:t>
+              <a:t>12/4/21</a:t>
             </a:fld>
             <a:endParaRPr lang="en-US"/>
           </a:p>
@@ -2066,7 +2071,7 @@
           <a:p>
             <a:fld id="{A3C94AC1-C02C-E644-A178-E8582C9204EF}" type="datetimeFigureOut">
               <a:rPr lang="en-US" smtClean="0"/>
-              <a:t>12/3/21</a:t>
+              <a:t>12/4/21</a:t>
             </a:fld>
             <a:endParaRPr lang="en-US"/>
           </a:p>
@@ -2377,7 +2382,7 @@
           <a:p>
             <a:fld id="{A3C94AC1-C02C-E644-A178-E8582C9204EF}" type="datetimeFigureOut">
               <a:rPr lang="en-US" smtClean="0"/>
-              <a:t>12/3/21</a:t>
+              <a:t>12/4/21</a:t>
             </a:fld>
             <a:endParaRPr lang="en-US"/>
           </a:p>
@@ -2665,7 +2670,7 @@
           <a:p>
             <a:fld id="{A3C94AC1-C02C-E644-A178-E8582C9204EF}" type="datetimeFigureOut">
               <a:rPr lang="en-US" smtClean="0"/>
-              <a:t>12/3/21</a:t>
+              <a:t>12/4/21</a:t>
             </a:fld>
             <a:endParaRPr lang="en-US"/>
           </a:p>
@@ -2906,7 +2911,7 @@
           <a:p>
             <a:fld id="{A3C94AC1-C02C-E644-A178-E8582C9204EF}" type="datetimeFigureOut">
               <a:rPr lang="en-US" smtClean="0"/>
-              <a:t>12/3/21</a:t>
+              <a:t>12/4/21</a:t>
             </a:fld>
             <a:endParaRPr lang="en-US"/>
           </a:p>
@@ -3509,7 +3514,7 @@
           <p:nvPr>
             <p:extLst>
               <p:ext uri="{D42A27DB-BD31-4B8C-83A1-F6EECF244321}">
-                <p14:modId xmlns:p14="http://schemas.microsoft.com/office/powerpoint/2010/main" val="4129228015"/>
+                <p14:modId xmlns:p14="http://schemas.microsoft.com/office/powerpoint/2010/main" val="342847049"/>
               </p:ext>
             </p:extLst>
           </p:nvPr>
@@ -3764,7 +3769,7 @@
                           <a:ea typeface="+mn-ea"/>
                           <a:cs typeface="Calibri" pitchFamily="34" charset="0"/>
                         </a:rPr>
-                        <a:t>0.441875 mm</a:t>
+                        <a:t>0.475 mm</a:t>
                       </a:r>
                       <a:r>
                         <a:rPr lang="en-US" altLang="zh-TW" sz="2400" b="0" kern="1200" baseline="30000" dirty="0">
@@ -3953,7 +3958,7 @@
                           <a:latin typeface="Calibri" pitchFamily="34" charset="0"/>
                           <a:cs typeface="Calibri" pitchFamily="34" charset="0"/>
                         </a:rPr>
-                        <a:t>492 </a:t>
+                        <a:t>386 </a:t>
                       </a:r>
                       <a:r>
                         <a:rPr lang="en-US" altLang="zh-TW" sz="2400" b="0" baseline="0" dirty="0" err="1">
@@ -4141,7 +4146,7 @@
                           <a:ea typeface="+mn-ea"/>
                           <a:cs typeface="Calibri" pitchFamily="34" charset="0"/>
                         </a:rPr>
-                        <a:t>2 ns</a:t>
+                        <a:t>3.5 ns</a:t>
                       </a:r>
                     </a:p>
                   </a:txBody>
@@ -4312,7 +4317,7 @@
                           <a:ea typeface="+mn-ea"/>
                           <a:cs typeface="Calibri" pitchFamily="34" charset="0"/>
                         </a:rPr>
-                        <a:t>2028</a:t>
+                        <a:t>1979 </a:t>
                       </a:r>
                     </a:p>
                   </a:txBody>
@@ -4483,7 +4488,7 @@
                           <a:ea typeface="+mn-ea"/>
                           <a:cs typeface="Calibri" pitchFamily="34" charset="0"/>
                         </a:rPr>
-                        <a:t>1.9956 µJ</a:t>
+                        <a:t>2.67  µJ</a:t>
                       </a:r>
                     </a:p>
                   </a:txBody>
@@ -4670,7 +4675,7 @@
                           <a:ea typeface="+mn-ea"/>
                           <a:cs typeface="Calibri" pitchFamily="34" charset="0"/>
                         </a:rPr>
-                        <a:t>0.8357 µJ*</a:t>
+                        <a:t>1.268 µJ*</a:t>
                       </a:r>
                       <a:r>
                         <a:rPr lang="en-US" altLang="zh-TW" sz="2400" b="0" kern="1200" baseline="0" dirty="0">
@@ -4847,7 +4852,7 @@
                 </a:solidFill>
                 <a:cs typeface="Calibri"/>
               </a:rPr>
-              <a:t>To Reduce Area we reused 1 Neuron.</a:t>
+              <a:t>To Reduce Area we reused 1 Neuron</a:t>
             </a:r>
           </a:p>
           <a:p>
